--- a/Presentation.pptx
+++ b/Presentation.pptx
@@ -6,6 +6,12 @@
   </p:sldMasterIdLst>
   <p:sldIdLst>
     <p:sldId id="256" r:id="rId2"/>
+    <p:sldId id="266" r:id="rId3"/>
+    <p:sldId id="257" r:id="rId4"/>
+    <p:sldId id="258" r:id="rId5"/>
+    <p:sldId id="260" r:id="rId6"/>
+    <p:sldId id="261" r:id="rId7"/>
+    <p:sldId id="267" r:id="rId8"/>
   </p:sldIdLst>
   <p:sldSz cx="12192000" cy="6858000"/>
   <p:notesSz cx="6858000" cy="9144000"/>
@@ -3640,6 +3646,489 @@
 </p:sld>
 </file>
 
+<file path=ppt/slides/slide2.xml><?xml version="1.0" encoding="utf-8"?>
+<p:sld xmlns:a="http://schemas.openxmlformats.org/drawingml/2006/main" xmlns:r="http://schemas.openxmlformats.org/officeDocument/2006/relationships" xmlns:p="http://schemas.openxmlformats.org/presentationml/2006/main">
+  <p:cSld>
+    <p:spTree>
+      <p:nvGrpSpPr>
+        <p:cNvPr id="1" name=""/>
+        <p:cNvGrpSpPr/>
+        <p:nvPr/>
+      </p:nvGrpSpPr>
+      <p:grpSpPr>
+        <a:xfrm>
+          <a:off x="0" y="0"/>
+          <a:ext cx="0" cy="0"/>
+          <a:chOff x="0" y="0"/>
+          <a:chExt cx="0" cy="0"/>
+        </a:xfrm>
+      </p:grpSpPr>
+      <p:sp>
+        <p:nvSpPr>
+          <p:cNvPr id="2" name="Title 1"/>
+          <p:cNvSpPr>
+            <a:spLocks noGrp="1"/>
+          </p:cNvSpPr>
+          <p:nvPr>
+            <p:ph type="title"/>
+          </p:nvPr>
+        </p:nvSpPr>
+        <p:spPr/>
+        <p:txBody>
+          <a:bodyPr>
+            <a:normAutofit/>
+          </a:bodyPr>
+          <a:lstStyle/>
+          <a:p>
+            <a:pPr algn="ctr"/>
+            <a:r>
+              <a:rPr lang="en-US" sz="4800" dirty="0" smtClean="0"/>
+              <a:t>Elevator Pitch</a:t>
+            </a:r>
+            <a:endParaRPr lang="en-US" sz="4800" dirty="0"/>
+          </a:p>
+        </p:txBody>
+      </p:sp>
+      <p:sp>
+        <p:nvSpPr>
+          <p:cNvPr id="3" name="Content Placeholder 2"/>
+          <p:cNvSpPr>
+            <a:spLocks noGrp="1"/>
+          </p:cNvSpPr>
+          <p:nvPr>
+            <p:ph idx="1"/>
+          </p:nvPr>
+        </p:nvSpPr>
+        <p:spPr/>
+        <p:txBody>
+          <a:bodyPr/>
+          <a:lstStyle/>
+          <a:p>
+            <a:pPr marL="0" marR="0" lvl="0" indent="0" defTabSz="914400" eaLnBrk="1" fontAlgn="auto" latinLnBrk="0" hangingPunct="1">
+              <a:lnSpc>
+                <a:spcPct val="100000"/>
+              </a:lnSpc>
+              <a:spcBef>
+                <a:spcPts val="0"/>
+              </a:spcBef>
+              <a:spcAft>
+                <a:spcPts val="0"/>
+              </a:spcAft>
+              <a:buClrTx/>
+              <a:buSzTx/>
+              <a:buFontTx/>
+              <a:buNone/>
+              <a:tabLst/>
+              <a:defRPr/>
+            </a:pPr>
+            <a:endParaRPr lang="en-US" dirty="0"/>
+          </a:p>
+        </p:txBody>
+      </p:sp>
+    </p:spTree>
+    <p:extLst>
+      <p:ext uri="{BB962C8B-B14F-4D97-AF65-F5344CB8AC3E}">
+        <p14:creationId xmlns:p14="http://schemas.microsoft.com/office/powerpoint/2010/main" val="862814924"/>
+      </p:ext>
+    </p:extLst>
+  </p:cSld>
+  <p:clrMapOvr>
+    <a:masterClrMapping/>
+  </p:clrMapOvr>
+</p:sld>
+</file>
+
+<file path=ppt/slides/slide3.xml><?xml version="1.0" encoding="utf-8"?>
+<p:sld xmlns:a="http://schemas.openxmlformats.org/drawingml/2006/main" xmlns:r="http://schemas.openxmlformats.org/officeDocument/2006/relationships" xmlns:p="http://schemas.openxmlformats.org/presentationml/2006/main">
+  <p:cSld>
+    <p:spTree>
+      <p:nvGrpSpPr>
+        <p:cNvPr id="1" name=""/>
+        <p:cNvGrpSpPr/>
+        <p:nvPr/>
+      </p:nvGrpSpPr>
+      <p:grpSpPr>
+        <a:xfrm>
+          <a:off x="0" y="0"/>
+          <a:ext cx="0" cy="0"/>
+          <a:chOff x="0" y="0"/>
+          <a:chExt cx="0" cy="0"/>
+        </a:xfrm>
+      </p:grpSpPr>
+      <p:sp>
+        <p:nvSpPr>
+          <p:cNvPr id="2" name="Title 1"/>
+          <p:cNvSpPr>
+            <a:spLocks noGrp="1"/>
+          </p:cNvSpPr>
+          <p:nvPr>
+            <p:ph type="title"/>
+          </p:nvPr>
+        </p:nvSpPr>
+        <p:spPr/>
+        <p:txBody>
+          <a:bodyPr>
+            <a:normAutofit/>
+          </a:bodyPr>
+          <a:lstStyle/>
+          <a:p>
+            <a:pPr algn="ctr"/>
+            <a:r>
+              <a:rPr lang="en-US" sz="4800" dirty="0" smtClean="0"/>
+              <a:t>Layout</a:t>
+            </a:r>
+            <a:endParaRPr lang="en-US" sz="4800" dirty="0"/>
+          </a:p>
+        </p:txBody>
+      </p:sp>
+      <p:sp>
+        <p:nvSpPr>
+          <p:cNvPr id="3" name="Content Placeholder 2"/>
+          <p:cNvSpPr>
+            <a:spLocks noGrp="1"/>
+          </p:cNvSpPr>
+          <p:nvPr>
+            <p:ph idx="1"/>
+          </p:nvPr>
+        </p:nvSpPr>
+        <p:spPr/>
+        <p:txBody>
+          <a:bodyPr/>
+          <a:lstStyle/>
+          <a:p>
+            <a:r>
+              <a:rPr lang="en-US" dirty="0" smtClean="0"/>
+              <a:t>How the iPads are laid out</a:t>
+            </a:r>
+            <a:endParaRPr lang="en-US" dirty="0"/>
+          </a:p>
+        </p:txBody>
+      </p:sp>
+    </p:spTree>
+    <p:extLst>
+      <p:ext uri="{BB962C8B-B14F-4D97-AF65-F5344CB8AC3E}">
+        <p14:creationId xmlns:p14="http://schemas.microsoft.com/office/powerpoint/2010/main" val="130824164"/>
+      </p:ext>
+    </p:extLst>
+  </p:cSld>
+  <p:clrMapOvr>
+    <a:masterClrMapping/>
+  </p:clrMapOvr>
+</p:sld>
+</file>
+
+<file path=ppt/slides/slide4.xml><?xml version="1.0" encoding="utf-8"?>
+<p:sld xmlns:a="http://schemas.openxmlformats.org/drawingml/2006/main" xmlns:r="http://schemas.openxmlformats.org/officeDocument/2006/relationships" xmlns:p="http://schemas.openxmlformats.org/presentationml/2006/main">
+  <p:cSld>
+    <p:spTree>
+      <p:nvGrpSpPr>
+        <p:cNvPr id="1" name=""/>
+        <p:cNvGrpSpPr/>
+        <p:nvPr/>
+      </p:nvGrpSpPr>
+      <p:grpSpPr>
+        <a:xfrm>
+          <a:off x="0" y="0"/>
+          <a:ext cx="0" cy="0"/>
+          <a:chOff x="0" y="0"/>
+          <a:chExt cx="0" cy="0"/>
+        </a:xfrm>
+      </p:grpSpPr>
+      <p:sp>
+        <p:nvSpPr>
+          <p:cNvPr id="2" name="Title 1"/>
+          <p:cNvSpPr>
+            <a:spLocks noGrp="1"/>
+          </p:cNvSpPr>
+          <p:nvPr>
+            <p:ph type="title"/>
+          </p:nvPr>
+        </p:nvSpPr>
+        <p:spPr/>
+        <p:txBody>
+          <a:bodyPr>
+            <a:normAutofit/>
+          </a:bodyPr>
+          <a:lstStyle/>
+          <a:p>
+            <a:pPr algn="ctr"/>
+            <a:r>
+              <a:rPr lang="en-US" sz="4800" dirty="0" smtClean="0"/>
+              <a:t>Consumer UI</a:t>
+            </a:r>
+            <a:endParaRPr lang="en-US" sz="4800" dirty="0"/>
+          </a:p>
+        </p:txBody>
+      </p:sp>
+      <p:sp>
+        <p:nvSpPr>
+          <p:cNvPr id="3" name="Content Placeholder 2"/>
+          <p:cNvSpPr>
+            <a:spLocks noGrp="1"/>
+          </p:cNvSpPr>
+          <p:nvPr>
+            <p:ph idx="1"/>
+          </p:nvPr>
+        </p:nvSpPr>
+        <p:spPr/>
+        <p:txBody>
+          <a:bodyPr/>
+          <a:lstStyle/>
+          <a:p>
+            <a:r>
+              <a:rPr lang="en-US" dirty="0" smtClean="0"/>
+              <a:t>Picture of screen consumer sees</a:t>
+            </a:r>
+            <a:endParaRPr lang="en-US" dirty="0"/>
+          </a:p>
+        </p:txBody>
+      </p:sp>
+    </p:spTree>
+    <p:extLst>
+      <p:ext uri="{BB962C8B-B14F-4D97-AF65-F5344CB8AC3E}">
+        <p14:creationId xmlns:p14="http://schemas.microsoft.com/office/powerpoint/2010/main" val="1885953467"/>
+      </p:ext>
+    </p:extLst>
+  </p:cSld>
+  <p:clrMapOvr>
+    <a:masterClrMapping/>
+  </p:clrMapOvr>
+</p:sld>
+</file>
+
+<file path=ppt/slides/slide5.xml><?xml version="1.0" encoding="utf-8"?>
+<p:sld xmlns:a="http://schemas.openxmlformats.org/drawingml/2006/main" xmlns:r="http://schemas.openxmlformats.org/officeDocument/2006/relationships" xmlns:p="http://schemas.openxmlformats.org/presentationml/2006/main">
+  <p:cSld>
+    <p:spTree>
+      <p:nvGrpSpPr>
+        <p:cNvPr id="1" name=""/>
+        <p:cNvGrpSpPr/>
+        <p:nvPr/>
+      </p:nvGrpSpPr>
+      <p:grpSpPr>
+        <a:xfrm>
+          <a:off x="0" y="0"/>
+          <a:ext cx="0" cy="0"/>
+          <a:chOff x="0" y="0"/>
+          <a:chExt cx="0" cy="0"/>
+        </a:xfrm>
+      </p:grpSpPr>
+      <p:sp>
+        <p:nvSpPr>
+          <p:cNvPr id="2" name="Title 1"/>
+          <p:cNvSpPr>
+            <a:spLocks noGrp="1"/>
+          </p:cNvSpPr>
+          <p:nvPr>
+            <p:ph type="title"/>
+          </p:nvPr>
+        </p:nvSpPr>
+        <p:spPr/>
+        <p:txBody>
+          <a:bodyPr>
+            <a:normAutofit/>
+          </a:bodyPr>
+          <a:lstStyle/>
+          <a:p>
+            <a:pPr algn="ctr"/>
+            <a:r>
+              <a:rPr lang="en-US" sz="4800" dirty="0" smtClean="0"/>
+              <a:t>Corporation UI</a:t>
+            </a:r>
+            <a:endParaRPr lang="en-US" sz="4800" dirty="0"/>
+          </a:p>
+        </p:txBody>
+      </p:sp>
+      <p:sp>
+        <p:nvSpPr>
+          <p:cNvPr id="3" name="Content Placeholder 2"/>
+          <p:cNvSpPr>
+            <a:spLocks noGrp="1"/>
+          </p:cNvSpPr>
+          <p:nvPr>
+            <p:ph idx="1"/>
+          </p:nvPr>
+        </p:nvSpPr>
+        <p:spPr/>
+        <p:txBody>
+          <a:bodyPr/>
+          <a:lstStyle/>
+          <a:p>
+            <a:r>
+              <a:rPr lang="en-US" dirty="0" smtClean="0"/>
+              <a:t>Picture of screen corporation sees</a:t>
+            </a:r>
+            <a:endParaRPr lang="en-US" dirty="0"/>
+          </a:p>
+        </p:txBody>
+      </p:sp>
+    </p:spTree>
+    <p:extLst>
+      <p:ext uri="{BB962C8B-B14F-4D97-AF65-F5344CB8AC3E}">
+        <p14:creationId xmlns:p14="http://schemas.microsoft.com/office/powerpoint/2010/main" val="1267264174"/>
+      </p:ext>
+    </p:extLst>
+  </p:cSld>
+  <p:clrMapOvr>
+    <a:masterClrMapping/>
+  </p:clrMapOvr>
+</p:sld>
+</file>
+
+<file path=ppt/slides/slide6.xml><?xml version="1.0" encoding="utf-8"?>
+<p:sld xmlns:a="http://schemas.openxmlformats.org/drawingml/2006/main" xmlns:r="http://schemas.openxmlformats.org/officeDocument/2006/relationships" xmlns:p="http://schemas.openxmlformats.org/presentationml/2006/main">
+  <p:cSld>
+    <p:spTree>
+      <p:nvGrpSpPr>
+        <p:cNvPr id="1" name=""/>
+        <p:cNvGrpSpPr/>
+        <p:nvPr/>
+      </p:nvGrpSpPr>
+      <p:grpSpPr>
+        <a:xfrm>
+          <a:off x="0" y="0"/>
+          <a:ext cx="0" cy="0"/>
+          <a:chOff x="0" y="0"/>
+          <a:chExt cx="0" cy="0"/>
+        </a:xfrm>
+      </p:grpSpPr>
+      <p:sp>
+        <p:nvSpPr>
+          <p:cNvPr id="2" name="Title 1"/>
+          <p:cNvSpPr>
+            <a:spLocks noGrp="1"/>
+          </p:cNvSpPr>
+          <p:nvPr>
+            <p:ph type="title"/>
+          </p:nvPr>
+        </p:nvSpPr>
+        <p:spPr/>
+        <p:txBody>
+          <a:bodyPr>
+            <a:normAutofit/>
+          </a:bodyPr>
+          <a:lstStyle/>
+          <a:p>
+            <a:pPr algn="ctr"/>
+            <a:r>
+              <a:rPr lang="en-US" sz="4800" dirty="0" smtClean="0"/>
+              <a:t>Consumer Vs Corporation</a:t>
+            </a:r>
+            <a:endParaRPr lang="en-US" sz="4800" dirty="0"/>
+          </a:p>
+        </p:txBody>
+      </p:sp>
+      <p:sp>
+        <p:nvSpPr>
+          <p:cNvPr id="3" name="Content Placeholder 2"/>
+          <p:cNvSpPr>
+            <a:spLocks noGrp="1"/>
+          </p:cNvSpPr>
+          <p:nvPr>
+            <p:ph idx="1"/>
+          </p:nvPr>
+        </p:nvSpPr>
+        <p:spPr/>
+        <p:txBody>
+          <a:bodyPr/>
+          <a:lstStyle/>
+          <a:p>
+            <a:r>
+              <a:rPr lang="en-US" dirty="0" smtClean="0"/>
+              <a:t>Description of the game play, maybe have two UI’s side by side</a:t>
+            </a:r>
+            <a:endParaRPr lang="en-US" dirty="0"/>
+          </a:p>
+        </p:txBody>
+      </p:sp>
+    </p:spTree>
+    <p:extLst>
+      <p:ext uri="{BB962C8B-B14F-4D97-AF65-F5344CB8AC3E}">
+        <p14:creationId xmlns:p14="http://schemas.microsoft.com/office/powerpoint/2010/main" val="166161472"/>
+      </p:ext>
+    </p:extLst>
+  </p:cSld>
+  <p:clrMapOvr>
+    <a:masterClrMapping/>
+  </p:clrMapOvr>
+</p:sld>
+</file>
+
+<file path=ppt/slides/slide7.xml><?xml version="1.0" encoding="utf-8"?>
+<p:sld xmlns:a="http://schemas.openxmlformats.org/drawingml/2006/main" xmlns:r="http://schemas.openxmlformats.org/officeDocument/2006/relationships" xmlns:p="http://schemas.openxmlformats.org/presentationml/2006/main">
+  <p:cSld>
+    <p:spTree>
+      <p:nvGrpSpPr>
+        <p:cNvPr id="1" name=""/>
+        <p:cNvGrpSpPr/>
+        <p:nvPr/>
+      </p:nvGrpSpPr>
+      <p:grpSpPr>
+        <a:xfrm>
+          <a:off x="0" y="0"/>
+          <a:ext cx="0" cy="0"/>
+          <a:chOff x="0" y="0"/>
+          <a:chExt cx="0" cy="0"/>
+        </a:xfrm>
+      </p:grpSpPr>
+      <p:sp>
+        <p:nvSpPr>
+          <p:cNvPr id="2" name="Title 1"/>
+          <p:cNvSpPr>
+            <a:spLocks noGrp="1"/>
+          </p:cNvSpPr>
+          <p:nvPr>
+            <p:ph type="title"/>
+          </p:nvPr>
+        </p:nvSpPr>
+        <p:spPr/>
+        <p:txBody>
+          <a:bodyPr>
+            <a:normAutofit/>
+          </a:bodyPr>
+          <a:lstStyle/>
+          <a:p>
+            <a:pPr algn="ctr"/>
+            <a:r>
+              <a:rPr lang="en-US" sz="4800" dirty="0" smtClean="0"/>
+              <a:t>Context</a:t>
+            </a:r>
+            <a:endParaRPr lang="en-US" sz="4800" dirty="0"/>
+          </a:p>
+        </p:txBody>
+      </p:sp>
+      <p:sp>
+        <p:nvSpPr>
+          <p:cNvPr id="3" name="Content Placeholder 2"/>
+          <p:cNvSpPr>
+            <a:spLocks noGrp="1"/>
+          </p:cNvSpPr>
+          <p:nvPr>
+            <p:ph idx="1"/>
+          </p:nvPr>
+        </p:nvSpPr>
+        <p:spPr/>
+        <p:txBody>
+          <a:bodyPr/>
+          <a:lstStyle/>
+          <a:p>
+            <a:endParaRPr lang="en-US"/>
+          </a:p>
+        </p:txBody>
+      </p:sp>
+    </p:spTree>
+    <p:extLst>
+      <p:ext uri="{BB962C8B-B14F-4D97-AF65-F5344CB8AC3E}">
+        <p14:creationId xmlns:p14="http://schemas.microsoft.com/office/powerpoint/2010/main" val="1042415097"/>
+      </p:ext>
+    </p:extLst>
+  </p:cSld>
+  <p:clrMapOvr>
+    <a:masterClrMapping/>
+  </p:clrMapOvr>
+</p:sld>
+</file>
+
 <file path=ppt/theme/theme1.xml><?xml version="1.0" encoding="utf-8"?>
 <a:theme xmlns:a="http://schemas.openxmlformats.org/drawingml/2006/main" name="Gallery">
   <a:themeElements>

--- a/Presentation.pptx
+++ b/Presentation.pptx
@@ -9,9 +9,12 @@
     <p:sldId id="266" r:id="rId3"/>
     <p:sldId id="257" r:id="rId4"/>
     <p:sldId id="258" r:id="rId5"/>
-    <p:sldId id="260" r:id="rId6"/>
-    <p:sldId id="261" r:id="rId7"/>
-    <p:sldId id="267" r:id="rId8"/>
+    <p:sldId id="268" r:id="rId6"/>
+    <p:sldId id="269" r:id="rId7"/>
+    <p:sldId id="260" r:id="rId8"/>
+    <p:sldId id="261" r:id="rId9"/>
+    <p:sldId id="270" r:id="rId10"/>
+    <p:sldId id="267" r:id="rId11"/>
   </p:sldIdLst>
   <p:sldSz cx="12192000" cy="6858000"/>
   <p:notesSz cx="6858000" cy="9144000"/>
@@ -110,6 +113,11 @@
       </a:defRPr>
     </a:lvl9pPr>
   </p:defaultTextStyle>
+  <p:extLst>
+    <p:ext uri="{EFAFB233-063F-42B5-8137-9DF3F51BA10A}">
+      <p15:sldGuideLst xmlns:p15="http://schemas.microsoft.com/office/powerpoint/2012/main"/>
+    </p:ext>
+  </p:extLst>
 </p:presentation>
 </file>
 
@@ -3646,6 +3654,81 @@
 </p:sld>
 </file>
 
+<file path=ppt/slides/slide10.xml><?xml version="1.0" encoding="utf-8"?>
+<p:sld xmlns:a="http://schemas.openxmlformats.org/drawingml/2006/main" xmlns:r="http://schemas.openxmlformats.org/officeDocument/2006/relationships" xmlns:p="http://schemas.openxmlformats.org/presentationml/2006/main">
+  <p:cSld>
+    <p:spTree>
+      <p:nvGrpSpPr>
+        <p:cNvPr id="1" name=""/>
+        <p:cNvGrpSpPr/>
+        <p:nvPr/>
+      </p:nvGrpSpPr>
+      <p:grpSpPr>
+        <a:xfrm>
+          <a:off x="0" y="0"/>
+          <a:ext cx="0" cy="0"/>
+          <a:chOff x="0" y="0"/>
+          <a:chExt cx="0" cy="0"/>
+        </a:xfrm>
+      </p:grpSpPr>
+      <p:sp>
+        <p:nvSpPr>
+          <p:cNvPr id="2" name="Title 1"/>
+          <p:cNvSpPr>
+            <a:spLocks noGrp="1"/>
+          </p:cNvSpPr>
+          <p:nvPr>
+            <p:ph type="title"/>
+          </p:nvPr>
+        </p:nvSpPr>
+        <p:spPr/>
+        <p:txBody>
+          <a:bodyPr>
+            <a:normAutofit/>
+          </a:bodyPr>
+          <a:lstStyle/>
+          <a:p>
+            <a:pPr algn="ctr"/>
+            <a:r>
+              <a:rPr lang="en-US" sz="4800" dirty="0" smtClean="0"/>
+              <a:t>Context</a:t>
+            </a:r>
+            <a:endParaRPr lang="en-US" sz="4800" dirty="0"/>
+          </a:p>
+        </p:txBody>
+      </p:sp>
+      <p:sp>
+        <p:nvSpPr>
+          <p:cNvPr id="3" name="Content Placeholder 2"/>
+          <p:cNvSpPr>
+            <a:spLocks noGrp="1"/>
+          </p:cNvSpPr>
+          <p:nvPr>
+            <p:ph idx="1"/>
+          </p:nvPr>
+        </p:nvSpPr>
+        <p:spPr/>
+        <p:txBody>
+          <a:bodyPr/>
+          <a:lstStyle/>
+          <a:p>
+            <a:endParaRPr lang="en-US"/>
+          </a:p>
+        </p:txBody>
+      </p:sp>
+    </p:spTree>
+    <p:extLst>
+      <p:ext uri="{BB962C8B-B14F-4D97-AF65-F5344CB8AC3E}">
+        <p14:creationId xmlns:p14="http://schemas.microsoft.com/office/powerpoint/2010/main" val="1042415097"/>
+      </p:ext>
+    </p:extLst>
+  </p:cSld>
+  <p:clrMapOvr>
+    <a:masterClrMapping/>
+  </p:clrMapOvr>
+</p:sld>
+</file>
+
 <file path=ppt/slides/slide2.xml><?xml version="1.0" encoding="utf-8"?>
 <p:sld xmlns:a="http://schemas.openxmlformats.org/drawingml/2006/main" xmlns:r="http://schemas.openxmlformats.org/officeDocument/2006/relationships" xmlns:p="http://schemas.openxmlformats.org/presentationml/2006/main">
   <p:cSld>
@@ -3798,7 +3881,11 @@
           <a:p>
             <a:r>
               <a:rPr lang="en-US" dirty="0" smtClean="0"/>
-              <a:t>How the iPads are laid out</a:t>
+              <a:t>Sketch of the tables, chairs</a:t>
+            </a:r>
+            <a:r>
+              <a:rPr lang="en-US" smtClean="0"/>
+              <a:t>, iPads</a:t>
             </a:r>
             <a:endParaRPr lang="en-US" dirty="0"/>
           </a:p>
@@ -3854,35 +3941,41 @@
             <a:pPr algn="ctr"/>
             <a:r>
               <a:rPr lang="en-US" sz="4800" dirty="0" smtClean="0"/>
-              <a:t>Consumer UI</a:t>
+              <a:t>Landing Page</a:t>
             </a:r>
             <a:endParaRPr lang="en-US" sz="4800" dirty="0"/>
           </a:p>
         </p:txBody>
       </p:sp>
-      <p:sp>
-        <p:nvSpPr>
-          <p:cNvPr id="3" name="Content Placeholder 2"/>
-          <p:cNvSpPr>
-            <a:spLocks noGrp="1"/>
-          </p:cNvSpPr>
+      <p:pic>
+        <p:nvPicPr>
+          <p:cNvPr id="4" name="Content Placeholder 3"/>
+          <p:cNvPicPr>
+            <a:picLocks noGrp="1" noChangeAspect="1"/>
+          </p:cNvPicPr>
           <p:nvPr>
             <p:ph idx="1"/>
           </p:nvPr>
-        </p:nvSpPr>
-        <p:spPr/>
-        <p:txBody>
-          <a:bodyPr/>
-          <a:lstStyle/>
-          <a:p>
-            <a:r>
-              <a:rPr lang="en-US" dirty="0" smtClean="0"/>
-              <a:t>Picture of screen consumer sees</a:t>
-            </a:r>
-            <a:endParaRPr lang="en-US" dirty="0"/>
-          </a:p>
-        </p:txBody>
-      </p:sp>
+        </p:nvPicPr>
+        <p:blipFill>
+          <a:blip r:embed="rId2">
+            <a:extLst>
+              <a:ext uri="{28A0092B-C50C-407E-A947-70E740481C1C}">
+                <a14:useLocalDpi xmlns:a14="http://schemas.microsoft.com/office/drawing/2010/main" val="0"/>
+              </a:ext>
+            </a:extLst>
+          </a:blip>
+          <a:stretch>
+            <a:fillRect/>
+          </a:stretch>
+        </p:blipFill>
+        <p:spPr>
+          <a:xfrm>
+            <a:off x="3688334" y="2016125"/>
+            <a:ext cx="5129656" cy="3449638"/>
+          </a:xfrm>
+        </p:spPr>
+      </p:pic>
     </p:spTree>
     <p:extLst>
       <p:ext uri="{BB962C8B-B14F-4D97-AF65-F5344CB8AC3E}">
@@ -3933,39 +4026,45 @@
             <a:pPr algn="ctr"/>
             <a:r>
               <a:rPr lang="en-US" sz="4800" dirty="0" smtClean="0"/>
-              <a:t>Corporation UI</a:t>
+              <a:t>Consumer UI</a:t>
             </a:r>
             <a:endParaRPr lang="en-US" sz="4800" dirty="0"/>
           </a:p>
         </p:txBody>
       </p:sp>
-      <p:sp>
-        <p:nvSpPr>
-          <p:cNvPr id="3" name="Content Placeholder 2"/>
-          <p:cNvSpPr>
-            <a:spLocks noGrp="1"/>
-          </p:cNvSpPr>
+      <p:pic>
+        <p:nvPicPr>
+          <p:cNvPr id="4" name="Content Placeholder 3"/>
+          <p:cNvPicPr>
+            <a:picLocks noGrp="1" noChangeAspect="1"/>
+          </p:cNvPicPr>
           <p:nvPr>
             <p:ph idx="1"/>
           </p:nvPr>
-        </p:nvSpPr>
-        <p:spPr/>
-        <p:txBody>
-          <a:bodyPr/>
-          <a:lstStyle/>
-          <a:p>
-            <a:r>
-              <a:rPr lang="en-US" dirty="0" smtClean="0"/>
-              <a:t>Picture of screen corporation sees</a:t>
-            </a:r>
-            <a:endParaRPr lang="en-US" dirty="0"/>
-          </a:p>
-        </p:txBody>
-      </p:sp>
+        </p:nvPicPr>
+        <p:blipFill>
+          <a:blip r:embed="rId2">
+            <a:extLst>
+              <a:ext uri="{28A0092B-C50C-407E-A947-70E740481C1C}">
+                <a14:useLocalDpi xmlns:a14="http://schemas.microsoft.com/office/drawing/2010/main" val="0"/>
+              </a:ext>
+            </a:extLst>
+          </a:blip>
+          <a:stretch>
+            <a:fillRect/>
+          </a:stretch>
+        </p:blipFill>
+        <p:spPr>
+          <a:xfrm>
+            <a:off x="3688334" y="2016125"/>
+            <a:ext cx="5129656" cy="3449638"/>
+          </a:xfrm>
+        </p:spPr>
+      </p:pic>
     </p:spTree>
     <p:extLst>
       <p:ext uri="{BB962C8B-B14F-4D97-AF65-F5344CB8AC3E}">
-        <p14:creationId xmlns:p14="http://schemas.microsoft.com/office/powerpoint/2010/main" val="1267264174"/>
+        <p14:creationId xmlns:p14="http://schemas.microsoft.com/office/powerpoint/2010/main" val="947761726"/>
       </p:ext>
     </p:extLst>
   </p:cSld>
@@ -4012,39 +4111,45 @@
             <a:pPr algn="ctr"/>
             <a:r>
               <a:rPr lang="en-US" sz="4800" dirty="0" smtClean="0"/>
-              <a:t>Consumer Vs Corporation</a:t>
+              <a:t>Consumer UI</a:t>
             </a:r>
             <a:endParaRPr lang="en-US" sz="4800" dirty="0"/>
           </a:p>
         </p:txBody>
       </p:sp>
-      <p:sp>
-        <p:nvSpPr>
-          <p:cNvPr id="3" name="Content Placeholder 2"/>
-          <p:cNvSpPr>
-            <a:spLocks noGrp="1"/>
-          </p:cNvSpPr>
+      <p:pic>
+        <p:nvPicPr>
+          <p:cNvPr id="4" name="Content Placeholder 3"/>
+          <p:cNvPicPr>
+            <a:picLocks noGrp="1" noChangeAspect="1"/>
+          </p:cNvPicPr>
           <p:nvPr>
             <p:ph idx="1"/>
           </p:nvPr>
-        </p:nvSpPr>
-        <p:spPr/>
-        <p:txBody>
-          <a:bodyPr/>
-          <a:lstStyle/>
-          <a:p>
-            <a:r>
-              <a:rPr lang="en-US" dirty="0" smtClean="0"/>
-              <a:t>Description of the game play, maybe have two UI’s side by side</a:t>
-            </a:r>
-            <a:endParaRPr lang="en-US" dirty="0"/>
-          </a:p>
-        </p:txBody>
-      </p:sp>
+        </p:nvPicPr>
+        <p:blipFill>
+          <a:blip r:embed="rId2">
+            <a:extLst>
+              <a:ext uri="{28A0092B-C50C-407E-A947-70E740481C1C}">
+                <a14:useLocalDpi xmlns:a14="http://schemas.microsoft.com/office/drawing/2010/main" val="0"/>
+              </a:ext>
+            </a:extLst>
+          </a:blip>
+          <a:stretch>
+            <a:fillRect/>
+          </a:stretch>
+        </p:blipFill>
+        <p:spPr>
+          <a:xfrm>
+            <a:off x="3688334" y="2016125"/>
+            <a:ext cx="5129656" cy="3449638"/>
+          </a:xfrm>
+        </p:spPr>
+      </p:pic>
     </p:spTree>
     <p:extLst>
       <p:ext uri="{BB962C8B-B14F-4D97-AF65-F5344CB8AC3E}">
-        <p14:creationId xmlns:p14="http://schemas.microsoft.com/office/powerpoint/2010/main" val="166161472"/>
+        <p14:creationId xmlns:p14="http://schemas.microsoft.com/office/powerpoint/2010/main" val="309434787"/>
       </p:ext>
     </p:extLst>
   </p:cSld>
@@ -4091,35 +4196,295 @@
             <a:pPr algn="ctr"/>
             <a:r>
               <a:rPr lang="en-US" sz="4800" dirty="0" smtClean="0"/>
-              <a:t>Context</a:t>
+              <a:t>Corporation UI</a:t>
             </a:r>
             <a:endParaRPr lang="en-US" sz="4800" dirty="0"/>
           </a:p>
         </p:txBody>
       </p:sp>
-      <p:sp>
-        <p:nvSpPr>
-          <p:cNvPr id="3" name="Content Placeholder 2"/>
-          <p:cNvSpPr>
-            <a:spLocks noGrp="1"/>
-          </p:cNvSpPr>
+      <p:pic>
+        <p:nvPicPr>
+          <p:cNvPr id="7" name="Content Placeholder 6"/>
+          <p:cNvPicPr>
+            <a:picLocks noGrp="1" noChangeAspect="1"/>
+          </p:cNvPicPr>
           <p:nvPr>
             <p:ph idx="1"/>
           </p:nvPr>
-        </p:nvSpPr>
-        <p:spPr/>
-        <p:txBody>
-          <a:bodyPr/>
-          <a:lstStyle/>
-          <a:p>
-            <a:endParaRPr lang="en-US"/>
-          </a:p>
-        </p:txBody>
-      </p:sp>
+        </p:nvPicPr>
+        <p:blipFill>
+          <a:blip r:embed="rId2">
+            <a:extLst>
+              <a:ext uri="{28A0092B-C50C-407E-A947-70E740481C1C}">
+                <a14:useLocalDpi xmlns:a14="http://schemas.microsoft.com/office/drawing/2010/main" val="0"/>
+              </a:ext>
+            </a:extLst>
+          </a:blip>
+          <a:stretch>
+            <a:fillRect/>
+          </a:stretch>
+        </p:blipFill>
+        <p:spPr>
+          <a:xfrm>
+            <a:off x="3688334" y="2016125"/>
+            <a:ext cx="5129656" cy="3449638"/>
+          </a:xfrm>
+        </p:spPr>
+      </p:pic>
     </p:spTree>
     <p:extLst>
       <p:ext uri="{BB962C8B-B14F-4D97-AF65-F5344CB8AC3E}">
-        <p14:creationId xmlns:p14="http://schemas.microsoft.com/office/powerpoint/2010/main" val="1042415097"/>
+        <p14:creationId xmlns:p14="http://schemas.microsoft.com/office/powerpoint/2010/main" val="1267264174"/>
+      </p:ext>
+    </p:extLst>
+  </p:cSld>
+  <p:clrMapOvr>
+    <a:masterClrMapping/>
+  </p:clrMapOvr>
+</p:sld>
+</file>
+
+<file path=ppt/slides/slide8.xml><?xml version="1.0" encoding="utf-8"?>
+<p:sld xmlns:a="http://schemas.openxmlformats.org/drawingml/2006/main" xmlns:r="http://schemas.openxmlformats.org/officeDocument/2006/relationships" xmlns:p="http://schemas.openxmlformats.org/presentationml/2006/main">
+  <p:cSld>
+    <p:spTree>
+      <p:nvGrpSpPr>
+        <p:cNvPr id="1" name=""/>
+        <p:cNvGrpSpPr/>
+        <p:nvPr/>
+      </p:nvGrpSpPr>
+      <p:grpSpPr>
+        <a:xfrm>
+          <a:off x="0" y="0"/>
+          <a:ext cx="0" cy="0"/>
+          <a:chOff x="0" y="0"/>
+          <a:chExt cx="0" cy="0"/>
+        </a:xfrm>
+      </p:grpSpPr>
+      <p:sp>
+        <p:nvSpPr>
+          <p:cNvPr id="2" name="Title 1"/>
+          <p:cNvSpPr>
+            <a:spLocks noGrp="1"/>
+          </p:cNvSpPr>
+          <p:nvPr>
+            <p:ph type="title"/>
+          </p:nvPr>
+        </p:nvSpPr>
+        <p:spPr/>
+        <p:txBody>
+          <a:bodyPr>
+            <a:normAutofit/>
+          </a:bodyPr>
+          <a:lstStyle/>
+          <a:p>
+            <a:pPr algn="ctr"/>
+            <a:r>
+              <a:rPr lang="en-US" sz="4800" dirty="0" smtClean="0"/>
+              <a:t>Consumer Vs Corporation</a:t>
+            </a:r>
+            <a:endParaRPr lang="en-US" sz="4800" dirty="0"/>
+          </a:p>
+        </p:txBody>
+      </p:sp>
+      <p:pic>
+        <p:nvPicPr>
+          <p:cNvPr id="4" name="Content Placeholder 3"/>
+          <p:cNvPicPr>
+            <a:picLocks noChangeAspect="1"/>
+          </p:cNvPicPr>
+          <p:nvPr/>
+        </p:nvPicPr>
+        <p:blipFill>
+          <a:blip r:embed="rId2">
+            <a:extLst>
+              <a:ext uri="{28A0092B-C50C-407E-A947-70E740481C1C}">
+                <a14:useLocalDpi xmlns:a14="http://schemas.microsoft.com/office/drawing/2010/main" val="0"/>
+              </a:ext>
+            </a:extLst>
+          </a:blip>
+          <a:stretch>
+            <a:fillRect/>
+          </a:stretch>
+        </p:blipFill>
+        <p:spPr>
+          <a:xfrm>
+            <a:off x="1451579" y="2016125"/>
+            <a:ext cx="4769112" cy="3449638"/>
+          </a:xfrm>
+          <a:prstGeom prst="rect">
+            <a:avLst/>
+          </a:prstGeom>
+        </p:spPr>
+      </p:pic>
+      <p:sp>
+        <p:nvSpPr>
+          <p:cNvPr id="6" name="Content Placeholder 5"/>
+          <p:cNvSpPr>
+            <a:spLocks noGrp="1"/>
+          </p:cNvSpPr>
+          <p:nvPr>
+            <p:ph idx="1"/>
+          </p:nvPr>
+        </p:nvSpPr>
+        <p:spPr/>
+        <p:txBody>
+          <a:bodyPr/>
+          <a:lstStyle/>
+          <a:p>
+            <a:endParaRPr lang="en-US" dirty="0"/>
+          </a:p>
+        </p:txBody>
+      </p:sp>
+      <p:pic>
+        <p:nvPicPr>
+          <p:cNvPr id="7" name="Content Placeholder 6"/>
+          <p:cNvPicPr>
+            <a:picLocks noChangeAspect="1"/>
+          </p:cNvPicPr>
+          <p:nvPr/>
+        </p:nvPicPr>
+        <p:blipFill>
+          <a:blip r:embed="rId3">
+            <a:extLst>
+              <a:ext uri="{28A0092B-C50C-407E-A947-70E740481C1C}">
+                <a14:useLocalDpi xmlns:a14="http://schemas.microsoft.com/office/drawing/2010/main" val="0"/>
+              </a:ext>
+            </a:extLst>
+          </a:blip>
+          <a:stretch>
+            <a:fillRect/>
+          </a:stretch>
+        </p:blipFill>
+        <p:spPr>
+          <a:xfrm>
+            <a:off x="6220691" y="2015543"/>
+            <a:ext cx="4834163" cy="3449638"/>
+          </a:xfrm>
+          <a:prstGeom prst="rect">
+            <a:avLst/>
+          </a:prstGeom>
+        </p:spPr>
+      </p:pic>
+    </p:spTree>
+    <p:extLst>
+      <p:ext uri="{BB962C8B-B14F-4D97-AF65-F5344CB8AC3E}">
+        <p14:creationId xmlns:p14="http://schemas.microsoft.com/office/powerpoint/2010/main" val="166161472"/>
+      </p:ext>
+    </p:extLst>
+  </p:cSld>
+  <p:clrMapOvr>
+    <a:masterClrMapping/>
+  </p:clrMapOvr>
+</p:sld>
+</file>
+
+<file path=ppt/slides/slide9.xml><?xml version="1.0" encoding="utf-8"?>
+<p:sld xmlns:a="http://schemas.openxmlformats.org/drawingml/2006/main" xmlns:r="http://schemas.openxmlformats.org/officeDocument/2006/relationships" xmlns:p="http://schemas.openxmlformats.org/presentationml/2006/main">
+  <p:cSld>
+    <p:spTree>
+      <p:nvGrpSpPr>
+        <p:cNvPr id="1" name=""/>
+        <p:cNvGrpSpPr/>
+        <p:nvPr/>
+      </p:nvGrpSpPr>
+      <p:grpSpPr>
+        <a:xfrm>
+          <a:off x="0" y="0"/>
+          <a:ext cx="0" cy="0"/>
+          <a:chOff x="0" y="0"/>
+          <a:chExt cx="0" cy="0"/>
+        </a:xfrm>
+      </p:grpSpPr>
+      <p:sp>
+        <p:nvSpPr>
+          <p:cNvPr id="2" name="Title 1"/>
+          <p:cNvSpPr>
+            <a:spLocks noGrp="1"/>
+          </p:cNvSpPr>
+          <p:nvPr>
+            <p:ph type="title"/>
+          </p:nvPr>
+        </p:nvSpPr>
+        <p:spPr/>
+        <p:txBody>
+          <a:bodyPr>
+            <a:normAutofit/>
+          </a:bodyPr>
+          <a:lstStyle/>
+          <a:p>
+            <a:pPr algn="ctr"/>
+            <a:r>
+              <a:rPr lang="en-US" sz="4800" dirty="0" smtClean="0"/>
+              <a:t>Consumer Graph</a:t>
+            </a:r>
+            <a:endParaRPr lang="en-US" sz="4800" dirty="0"/>
+          </a:p>
+        </p:txBody>
+      </p:sp>
+      <p:pic>
+        <p:nvPicPr>
+          <p:cNvPr id="4" name="Content Placeholder 3"/>
+          <p:cNvPicPr>
+            <a:picLocks noGrp="1" noChangeAspect="1"/>
+          </p:cNvPicPr>
+          <p:nvPr>
+            <p:ph idx="1"/>
+          </p:nvPr>
+        </p:nvPicPr>
+        <p:blipFill>
+          <a:blip r:embed="rId2">
+            <a:extLst>
+              <a:ext uri="{28A0092B-C50C-407E-A947-70E740481C1C}">
+                <a14:useLocalDpi xmlns:a14="http://schemas.microsoft.com/office/drawing/2010/main" val="0"/>
+              </a:ext>
+            </a:extLst>
+          </a:blip>
+          <a:stretch>
+            <a:fillRect/>
+          </a:stretch>
+        </p:blipFill>
+        <p:spPr>
+          <a:xfrm>
+            <a:off x="1720221" y="2016125"/>
+            <a:ext cx="4532995" cy="3449638"/>
+          </a:xfrm>
+        </p:spPr>
+      </p:pic>
+      <p:pic>
+        <p:nvPicPr>
+          <p:cNvPr id="5" name="Picture 4"/>
+          <p:cNvPicPr>
+            <a:picLocks noChangeAspect="1"/>
+          </p:cNvPicPr>
+          <p:nvPr/>
+        </p:nvPicPr>
+        <p:blipFill>
+          <a:blip r:embed="rId3">
+            <a:extLst>
+              <a:ext uri="{28A0092B-C50C-407E-A947-70E740481C1C}">
+                <a14:useLocalDpi xmlns:a14="http://schemas.microsoft.com/office/drawing/2010/main" val="0"/>
+              </a:ext>
+            </a:extLst>
+          </a:blip>
+          <a:stretch>
+            <a:fillRect/>
+          </a:stretch>
+        </p:blipFill>
+        <p:spPr>
+          <a:xfrm>
+            <a:off x="6782020" y="2016125"/>
+            <a:ext cx="2915006" cy="4070957"/>
+          </a:xfrm>
+          <a:prstGeom prst="rect">
+            <a:avLst/>
+          </a:prstGeom>
+        </p:spPr>
+      </p:pic>
+    </p:spTree>
+    <p:extLst>
+      <p:ext uri="{BB962C8B-B14F-4D97-AF65-F5344CB8AC3E}">
+        <p14:creationId xmlns:p14="http://schemas.microsoft.com/office/powerpoint/2010/main" val="716092638"/>
       </p:ext>
     </p:extLst>
   </p:cSld>

--- a/Presentation.pptx
+++ b/Presentation.pptx
@@ -4,6 +4,9 @@
   <p:sldMasterIdLst>
     <p:sldMasterId id="2147483648" r:id="rId1"/>
   </p:sldMasterIdLst>
+  <p:notesMasterIdLst>
+    <p:notesMasterId r:id="rId12"/>
+  </p:notesMasterIdLst>
   <p:sldIdLst>
     <p:sldId id="256" r:id="rId2"/>
     <p:sldId id="266" r:id="rId3"/>
@@ -121,6 +124,615 @@
 </p:presentation>
 </file>
 
+<file path=ppt/notesMasters/notesMaster1.xml><?xml version="1.0" encoding="utf-8"?>
+<p:notesMaster xmlns:a="http://schemas.openxmlformats.org/drawingml/2006/main" xmlns:r="http://schemas.openxmlformats.org/officeDocument/2006/relationships" xmlns:p="http://schemas.openxmlformats.org/presentationml/2006/main">
+  <p:cSld>
+    <p:bg>
+      <p:bgRef idx="1001">
+        <a:schemeClr val="bg1"/>
+      </p:bgRef>
+    </p:bg>
+    <p:spTree>
+      <p:nvGrpSpPr>
+        <p:cNvPr id="1" name=""/>
+        <p:cNvGrpSpPr/>
+        <p:nvPr/>
+      </p:nvGrpSpPr>
+      <p:grpSpPr>
+        <a:xfrm>
+          <a:off x="0" y="0"/>
+          <a:ext cx="0" cy="0"/>
+          <a:chOff x="0" y="0"/>
+          <a:chExt cx="0" cy="0"/>
+        </a:xfrm>
+      </p:grpSpPr>
+      <p:sp>
+        <p:nvSpPr>
+          <p:cNvPr id="2" name="Header Placeholder 1"/>
+          <p:cNvSpPr>
+            <a:spLocks noGrp="1"/>
+          </p:cNvSpPr>
+          <p:nvPr>
+            <p:ph type="hdr" sz="quarter"/>
+          </p:nvPr>
+        </p:nvSpPr>
+        <p:spPr>
+          <a:xfrm>
+            <a:off x="0" y="0"/>
+            <a:ext cx="2971800" cy="458788"/>
+          </a:xfrm>
+          <a:prstGeom prst="rect">
+            <a:avLst/>
+          </a:prstGeom>
+        </p:spPr>
+        <p:txBody>
+          <a:bodyPr vert="horz" lIns="91440" tIns="45720" rIns="91440" bIns="45720" rtlCol="0"/>
+          <a:lstStyle>
+            <a:lvl1pPr algn="l">
+              <a:defRPr sz="1200"/>
+            </a:lvl1pPr>
+          </a:lstStyle>
+          <a:p>
+            <a:endParaRPr lang="en-US"/>
+          </a:p>
+        </p:txBody>
+      </p:sp>
+      <p:sp>
+        <p:nvSpPr>
+          <p:cNvPr id="3" name="Date Placeholder 2"/>
+          <p:cNvSpPr>
+            <a:spLocks noGrp="1"/>
+          </p:cNvSpPr>
+          <p:nvPr>
+            <p:ph type="dt" idx="1"/>
+          </p:nvPr>
+        </p:nvSpPr>
+        <p:spPr>
+          <a:xfrm>
+            <a:off x="3884613" y="0"/>
+            <a:ext cx="2971800" cy="458788"/>
+          </a:xfrm>
+          <a:prstGeom prst="rect">
+            <a:avLst/>
+          </a:prstGeom>
+        </p:spPr>
+        <p:txBody>
+          <a:bodyPr vert="horz" lIns="91440" tIns="45720" rIns="91440" bIns="45720" rtlCol="0"/>
+          <a:lstStyle>
+            <a:lvl1pPr algn="r">
+              <a:defRPr sz="1200"/>
+            </a:lvl1pPr>
+          </a:lstStyle>
+          <a:p>
+            <a:fld id="{0F480FBD-BB15-4B42-9A75-DF281156077B}" type="datetimeFigureOut">
+              <a:rPr lang="en-US" smtClean="0"/>
+              <a:t>2/13/2017</a:t>
+            </a:fld>
+            <a:endParaRPr lang="en-US"/>
+          </a:p>
+        </p:txBody>
+      </p:sp>
+      <p:sp>
+        <p:nvSpPr>
+          <p:cNvPr id="4" name="Slide Image Placeholder 3"/>
+          <p:cNvSpPr>
+            <a:spLocks noGrp="1" noRot="1" noChangeAspect="1"/>
+          </p:cNvSpPr>
+          <p:nvPr>
+            <p:ph type="sldImg" idx="2"/>
+          </p:nvPr>
+        </p:nvSpPr>
+        <p:spPr>
+          <a:xfrm>
+            <a:off x="685800" y="1143000"/>
+            <a:ext cx="5486400" cy="3086100"/>
+          </a:xfrm>
+          <a:prstGeom prst="rect">
+            <a:avLst/>
+          </a:prstGeom>
+          <a:noFill/>
+          <a:ln w="12700">
+            <a:solidFill>
+              <a:prstClr val="black"/>
+            </a:solidFill>
+          </a:ln>
+        </p:spPr>
+        <p:txBody>
+          <a:bodyPr vert="horz" lIns="91440" tIns="45720" rIns="91440" bIns="45720" rtlCol="0" anchor="ctr"/>
+          <a:lstStyle/>
+          <a:p>
+            <a:endParaRPr lang="en-US"/>
+          </a:p>
+        </p:txBody>
+      </p:sp>
+      <p:sp>
+        <p:nvSpPr>
+          <p:cNvPr id="5" name="Notes Placeholder 4"/>
+          <p:cNvSpPr>
+            <a:spLocks noGrp="1"/>
+          </p:cNvSpPr>
+          <p:nvPr>
+            <p:ph type="body" sz="quarter" idx="3"/>
+          </p:nvPr>
+        </p:nvSpPr>
+        <p:spPr>
+          <a:xfrm>
+            <a:off x="685800" y="4400550"/>
+            <a:ext cx="5486400" cy="3600450"/>
+          </a:xfrm>
+          <a:prstGeom prst="rect">
+            <a:avLst/>
+          </a:prstGeom>
+        </p:spPr>
+        <p:txBody>
+          <a:bodyPr vert="horz" lIns="91440" tIns="45720" rIns="91440" bIns="45720" rtlCol="0"/>
+          <a:lstStyle/>
+          <a:p>
+            <a:pPr lvl="0"/>
+            <a:r>
+              <a:rPr lang="en-US" smtClean="0"/>
+              <a:t>Edit Master text styles</a:t>
+            </a:r>
+          </a:p>
+          <a:p>
+            <a:pPr lvl="1"/>
+            <a:r>
+              <a:rPr lang="en-US" smtClean="0"/>
+              <a:t>Second level</a:t>
+            </a:r>
+          </a:p>
+          <a:p>
+            <a:pPr lvl="2"/>
+            <a:r>
+              <a:rPr lang="en-US" smtClean="0"/>
+              <a:t>Third level</a:t>
+            </a:r>
+          </a:p>
+          <a:p>
+            <a:pPr lvl="3"/>
+            <a:r>
+              <a:rPr lang="en-US" smtClean="0"/>
+              <a:t>Fourth level</a:t>
+            </a:r>
+          </a:p>
+          <a:p>
+            <a:pPr lvl="4"/>
+            <a:r>
+              <a:rPr lang="en-US" smtClean="0"/>
+              <a:t>Fifth level</a:t>
+            </a:r>
+            <a:endParaRPr lang="en-US"/>
+          </a:p>
+        </p:txBody>
+      </p:sp>
+      <p:sp>
+        <p:nvSpPr>
+          <p:cNvPr id="6" name="Footer Placeholder 5"/>
+          <p:cNvSpPr>
+            <a:spLocks noGrp="1"/>
+          </p:cNvSpPr>
+          <p:nvPr>
+            <p:ph type="ftr" sz="quarter" idx="4"/>
+          </p:nvPr>
+        </p:nvSpPr>
+        <p:spPr>
+          <a:xfrm>
+            <a:off x="0" y="8685213"/>
+            <a:ext cx="2971800" cy="458787"/>
+          </a:xfrm>
+          <a:prstGeom prst="rect">
+            <a:avLst/>
+          </a:prstGeom>
+        </p:spPr>
+        <p:txBody>
+          <a:bodyPr vert="horz" lIns="91440" tIns="45720" rIns="91440" bIns="45720" rtlCol="0" anchor="b"/>
+          <a:lstStyle>
+            <a:lvl1pPr algn="l">
+              <a:defRPr sz="1200"/>
+            </a:lvl1pPr>
+          </a:lstStyle>
+          <a:p>
+            <a:endParaRPr lang="en-US"/>
+          </a:p>
+        </p:txBody>
+      </p:sp>
+      <p:sp>
+        <p:nvSpPr>
+          <p:cNvPr id="7" name="Slide Number Placeholder 6"/>
+          <p:cNvSpPr>
+            <a:spLocks noGrp="1"/>
+          </p:cNvSpPr>
+          <p:nvPr>
+            <p:ph type="sldNum" sz="quarter" idx="5"/>
+          </p:nvPr>
+        </p:nvSpPr>
+        <p:spPr>
+          <a:xfrm>
+            <a:off x="3884613" y="8685213"/>
+            <a:ext cx="2971800" cy="458787"/>
+          </a:xfrm>
+          <a:prstGeom prst="rect">
+            <a:avLst/>
+          </a:prstGeom>
+        </p:spPr>
+        <p:txBody>
+          <a:bodyPr vert="horz" lIns="91440" tIns="45720" rIns="91440" bIns="45720" rtlCol="0" anchor="b"/>
+          <a:lstStyle>
+            <a:lvl1pPr algn="r">
+              <a:defRPr sz="1200"/>
+            </a:lvl1pPr>
+          </a:lstStyle>
+          <a:p>
+            <a:fld id="{7A3C2EBE-BC6A-413F-9FF7-13C6716593DB}" type="slidenum">
+              <a:rPr lang="en-US" smtClean="0"/>
+              <a:t>‹#›</a:t>
+            </a:fld>
+            <a:endParaRPr lang="en-US"/>
+          </a:p>
+        </p:txBody>
+      </p:sp>
+    </p:spTree>
+    <p:extLst>
+      <p:ext uri="{BB962C8B-B14F-4D97-AF65-F5344CB8AC3E}">
+        <p14:creationId xmlns:p14="http://schemas.microsoft.com/office/powerpoint/2010/main" val="2017018965"/>
+      </p:ext>
+    </p:extLst>
+  </p:cSld>
+  <p:clrMap bg1="lt1" tx1="dk1" bg2="lt2" tx2="dk2" accent1="accent1" accent2="accent2" accent3="accent3" accent4="accent4" accent5="accent5" accent6="accent6" hlink="hlink" folHlink="folHlink"/>
+  <p:notesStyle>
+    <a:lvl1pPr marL="0" algn="l" defTabSz="914400" rtl="0" eaLnBrk="1" latinLnBrk="0" hangingPunct="1">
+      <a:defRPr sz="1200" kern="1200">
+        <a:solidFill>
+          <a:schemeClr val="tx1"/>
+        </a:solidFill>
+        <a:latin typeface="+mn-lt"/>
+        <a:ea typeface="+mn-ea"/>
+        <a:cs typeface="+mn-cs"/>
+      </a:defRPr>
+    </a:lvl1pPr>
+    <a:lvl2pPr marL="457200" algn="l" defTabSz="914400" rtl="0" eaLnBrk="1" latinLnBrk="0" hangingPunct="1">
+      <a:defRPr sz="1200" kern="1200">
+        <a:solidFill>
+          <a:schemeClr val="tx1"/>
+        </a:solidFill>
+        <a:latin typeface="+mn-lt"/>
+        <a:ea typeface="+mn-ea"/>
+        <a:cs typeface="+mn-cs"/>
+      </a:defRPr>
+    </a:lvl2pPr>
+    <a:lvl3pPr marL="914400" algn="l" defTabSz="914400" rtl="0" eaLnBrk="1" latinLnBrk="0" hangingPunct="1">
+      <a:defRPr sz="1200" kern="1200">
+        <a:solidFill>
+          <a:schemeClr val="tx1"/>
+        </a:solidFill>
+        <a:latin typeface="+mn-lt"/>
+        <a:ea typeface="+mn-ea"/>
+        <a:cs typeface="+mn-cs"/>
+      </a:defRPr>
+    </a:lvl3pPr>
+    <a:lvl4pPr marL="1371600" algn="l" defTabSz="914400" rtl="0" eaLnBrk="1" latinLnBrk="0" hangingPunct="1">
+      <a:defRPr sz="1200" kern="1200">
+        <a:solidFill>
+          <a:schemeClr val="tx1"/>
+        </a:solidFill>
+        <a:latin typeface="+mn-lt"/>
+        <a:ea typeface="+mn-ea"/>
+        <a:cs typeface="+mn-cs"/>
+      </a:defRPr>
+    </a:lvl4pPr>
+    <a:lvl5pPr marL="1828800" algn="l" defTabSz="914400" rtl="0" eaLnBrk="1" latinLnBrk="0" hangingPunct="1">
+      <a:defRPr sz="1200" kern="1200">
+        <a:solidFill>
+          <a:schemeClr val="tx1"/>
+        </a:solidFill>
+        <a:latin typeface="+mn-lt"/>
+        <a:ea typeface="+mn-ea"/>
+        <a:cs typeface="+mn-cs"/>
+      </a:defRPr>
+    </a:lvl5pPr>
+    <a:lvl6pPr marL="2286000" algn="l" defTabSz="914400" rtl="0" eaLnBrk="1" latinLnBrk="0" hangingPunct="1">
+      <a:defRPr sz="1200" kern="1200">
+        <a:solidFill>
+          <a:schemeClr val="tx1"/>
+        </a:solidFill>
+        <a:latin typeface="+mn-lt"/>
+        <a:ea typeface="+mn-ea"/>
+        <a:cs typeface="+mn-cs"/>
+      </a:defRPr>
+    </a:lvl6pPr>
+    <a:lvl7pPr marL="2743200" algn="l" defTabSz="914400" rtl="0" eaLnBrk="1" latinLnBrk="0" hangingPunct="1">
+      <a:defRPr sz="1200" kern="1200">
+        <a:solidFill>
+          <a:schemeClr val="tx1"/>
+        </a:solidFill>
+        <a:latin typeface="+mn-lt"/>
+        <a:ea typeface="+mn-ea"/>
+        <a:cs typeface="+mn-cs"/>
+      </a:defRPr>
+    </a:lvl7pPr>
+    <a:lvl8pPr marL="3200400" algn="l" defTabSz="914400" rtl="0" eaLnBrk="1" latinLnBrk="0" hangingPunct="1">
+      <a:defRPr sz="1200" kern="1200">
+        <a:solidFill>
+          <a:schemeClr val="tx1"/>
+        </a:solidFill>
+        <a:latin typeface="+mn-lt"/>
+        <a:ea typeface="+mn-ea"/>
+        <a:cs typeface="+mn-cs"/>
+      </a:defRPr>
+    </a:lvl8pPr>
+    <a:lvl9pPr marL="3657600" algn="l" defTabSz="914400" rtl="0" eaLnBrk="1" latinLnBrk="0" hangingPunct="1">
+      <a:defRPr sz="1200" kern="1200">
+        <a:solidFill>
+          <a:schemeClr val="tx1"/>
+        </a:solidFill>
+        <a:latin typeface="+mn-lt"/>
+        <a:ea typeface="+mn-ea"/>
+        <a:cs typeface="+mn-cs"/>
+      </a:defRPr>
+    </a:lvl9pPr>
+  </p:notesStyle>
+</p:notesMaster>
+</file>
+
+<file path=ppt/notesSlides/notesSlide1.xml><?xml version="1.0" encoding="utf-8"?>
+<p:notes xmlns:a="http://schemas.openxmlformats.org/drawingml/2006/main" xmlns:r="http://schemas.openxmlformats.org/officeDocument/2006/relationships" xmlns:p="http://schemas.openxmlformats.org/presentationml/2006/main">
+  <p:cSld>
+    <p:spTree>
+      <p:nvGrpSpPr>
+        <p:cNvPr id="1" name=""/>
+        <p:cNvGrpSpPr/>
+        <p:nvPr/>
+      </p:nvGrpSpPr>
+      <p:grpSpPr>
+        <a:xfrm>
+          <a:off x="0" y="0"/>
+          <a:ext cx="0" cy="0"/>
+          <a:chOff x="0" y="0"/>
+          <a:chExt cx="0" cy="0"/>
+        </a:xfrm>
+      </p:grpSpPr>
+      <p:sp>
+        <p:nvSpPr>
+          <p:cNvPr id="2" name="Slide Image Placeholder 1"/>
+          <p:cNvSpPr>
+            <a:spLocks noGrp="1" noRot="1" noChangeAspect="1"/>
+          </p:cNvSpPr>
+          <p:nvPr>
+            <p:ph type="sldImg"/>
+          </p:nvPr>
+        </p:nvSpPr>
+        <p:spPr/>
+      </p:sp>
+      <p:sp>
+        <p:nvSpPr>
+          <p:cNvPr id="3" name="Notes Placeholder 2"/>
+          <p:cNvSpPr>
+            <a:spLocks noGrp="1"/>
+          </p:cNvSpPr>
+          <p:nvPr>
+            <p:ph type="body" idx="1"/>
+          </p:nvPr>
+        </p:nvSpPr>
+        <p:spPr/>
+        <p:txBody>
+          <a:bodyPr/>
+          <a:lstStyle/>
+          <a:p>
+            <a:r>
+              <a:rPr lang="en-US" sz="1200" b="0" i="0" u="none" strike="noStrike" kern="1200" dirty="0" smtClean="0">
+                <a:solidFill>
+                  <a:schemeClr val="tx1"/>
+                </a:solidFill>
+                <a:effectLst/>
+                <a:latin typeface="+mn-lt"/>
+                <a:ea typeface="+mn-ea"/>
+                <a:cs typeface="+mn-cs"/>
+              </a:rPr>
+              <a:t>Our project </a:t>
+            </a:r>
+            <a:r>
+              <a:rPr lang="en-US" sz="1200" b="0" i="0" u="none" strike="noStrike" kern="1200" dirty="0" err="1" smtClean="0">
+                <a:solidFill>
+                  <a:schemeClr val="tx1"/>
+                </a:solidFill>
+                <a:effectLst/>
+                <a:latin typeface="+mn-lt"/>
+                <a:ea typeface="+mn-ea"/>
+                <a:cs typeface="+mn-cs"/>
+              </a:rPr>
+              <a:t>abstractifies</a:t>
+            </a:r>
+            <a:r>
+              <a:rPr lang="en-US" sz="1200" b="0" i="0" u="none" strike="noStrike" kern="1200" dirty="0" smtClean="0">
+                <a:solidFill>
+                  <a:schemeClr val="tx1"/>
+                </a:solidFill>
+                <a:effectLst/>
+                <a:latin typeface="+mn-lt"/>
+                <a:ea typeface="+mn-ea"/>
+                <a:cs typeface="+mn-cs"/>
+              </a:rPr>
+              <a:t> the relationship between a consumer of the Internet and an Internet corporation into a simple, but telling game. It illuminates the positive and negative effects the corporation can have on the user’s Internet experience for its own personal (and potentially arbitrary) gain. The project clarifies how the interests of the public and the interests of business might run counter to each other. By depicting the conflict of interest in the style of a game, the project takes on a creative form to elucidate a hidden phenomenon pervasive in our Internet experience.</a:t>
+            </a:r>
+            <a:endParaRPr lang="en-US" dirty="0"/>
+          </a:p>
+        </p:txBody>
+      </p:sp>
+      <p:sp>
+        <p:nvSpPr>
+          <p:cNvPr id="4" name="Slide Number Placeholder 3"/>
+          <p:cNvSpPr>
+            <a:spLocks noGrp="1"/>
+          </p:cNvSpPr>
+          <p:nvPr>
+            <p:ph type="sldNum" sz="quarter" idx="10"/>
+          </p:nvPr>
+        </p:nvSpPr>
+        <p:spPr/>
+        <p:txBody>
+          <a:bodyPr/>
+          <a:lstStyle/>
+          <a:p>
+            <a:fld id="{7A3C2EBE-BC6A-413F-9FF7-13C6716593DB}" type="slidenum">
+              <a:rPr lang="en-US" smtClean="0"/>
+              <a:t>2</a:t>
+            </a:fld>
+            <a:endParaRPr lang="en-US"/>
+          </a:p>
+        </p:txBody>
+      </p:sp>
+    </p:spTree>
+    <p:extLst>
+      <p:ext uri="{BB962C8B-B14F-4D97-AF65-F5344CB8AC3E}">
+        <p14:creationId xmlns:p14="http://schemas.microsoft.com/office/powerpoint/2010/main" val="2724929207"/>
+      </p:ext>
+    </p:extLst>
+  </p:cSld>
+  <p:clrMapOvr>
+    <a:masterClrMapping/>
+  </p:clrMapOvr>
+</p:notes>
+</file>
+
+<file path=ppt/notesSlides/notesSlide2.xml><?xml version="1.0" encoding="utf-8"?>
+<p:notes xmlns:a="http://schemas.openxmlformats.org/drawingml/2006/main" xmlns:r="http://schemas.openxmlformats.org/officeDocument/2006/relationships" xmlns:p="http://schemas.openxmlformats.org/presentationml/2006/main">
+  <p:cSld>
+    <p:spTree>
+      <p:nvGrpSpPr>
+        <p:cNvPr id="1" name=""/>
+        <p:cNvGrpSpPr/>
+        <p:nvPr/>
+      </p:nvGrpSpPr>
+      <p:grpSpPr>
+        <a:xfrm>
+          <a:off x="0" y="0"/>
+          <a:ext cx="0" cy="0"/>
+          <a:chOff x="0" y="0"/>
+          <a:chExt cx="0" cy="0"/>
+        </a:xfrm>
+      </p:grpSpPr>
+      <p:sp>
+        <p:nvSpPr>
+          <p:cNvPr id="2" name="Slide Image Placeholder 1"/>
+          <p:cNvSpPr>
+            <a:spLocks noGrp="1" noRot="1" noChangeAspect="1"/>
+          </p:cNvSpPr>
+          <p:nvPr>
+            <p:ph type="sldImg"/>
+          </p:nvPr>
+        </p:nvSpPr>
+        <p:spPr/>
+      </p:sp>
+      <p:sp>
+        <p:nvSpPr>
+          <p:cNvPr id="3" name="Notes Placeholder 2"/>
+          <p:cNvSpPr>
+            <a:spLocks noGrp="1"/>
+          </p:cNvSpPr>
+          <p:nvPr>
+            <p:ph type="body" idx="1"/>
+          </p:nvPr>
+        </p:nvSpPr>
+        <p:spPr/>
+        <p:txBody>
+          <a:bodyPr/>
+          <a:lstStyle/>
+          <a:p>
+            <a:pPr marL="0" marR="0" indent="0" algn="l" defTabSz="914400" rtl="0" eaLnBrk="1" fontAlgn="auto" latinLnBrk="0" hangingPunct="1">
+              <a:lnSpc>
+                <a:spcPct val="100000"/>
+              </a:lnSpc>
+              <a:spcBef>
+                <a:spcPts val="0"/>
+              </a:spcBef>
+              <a:spcAft>
+                <a:spcPts val="0"/>
+              </a:spcAft>
+              <a:buClrTx/>
+              <a:buSzTx/>
+              <a:buFontTx/>
+              <a:buNone/>
+              <a:tabLst/>
+              <a:defRPr/>
+            </a:pPr>
+            <a:r>
+              <a:rPr lang="en-US" sz="1200" b="0" i="0" u="none" strike="noStrike" kern="1200" dirty="0" smtClean="0">
+                <a:solidFill>
+                  <a:schemeClr val="tx1"/>
+                </a:solidFill>
+                <a:effectLst/>
+                <a:latin typeface="+mn-lt"/>
+                <a:ea typeface="+mn-ea"/>
+                <a:cs typeface="+mn-cs"/>
+              </a:rPr>
+              <a:t>Increasing distrust between the consumer and the corporation due to diverging interests and a general perception of “dishonesty” in a corporation’s objectives. In the post-war era, artists critiqued media in new ways upon finding that the utopian idea that media could be used as a public forum was unfeasible. The post-war era disillusionment lent to the perception that art was controlled by large networks and corporations. </a:t>
+            </a:r>
+            <a:r>
+              <a:rPr lang="en-US" sz="1200" b="0" i="1" u="none" strike="noStrike" kern="1200" dirty="0" smtClean="0">
+                <a:solidFill>
+                  <a:schemeClr val="tx1"/>
+                </a:solidFill>
+                <a:effectLst/>
+                <a:latin typeface="+mn-lt"/>
+                <a:ea typeface="+mn-ea"/>
+                <a:cs typeface="+mn-cs"/>
+              </a:rPr>
+              <a:t>Television Delivers People</a:t>
+            </a:r>
+            <a:r>
+              <a:rPr lang="en-US" sz="1200" b="0" i="0" u="none" strike="noStrike" kern="1200" dirty="0" smtClean="0">
+                <a:solidFill>
+                  <a:schemeClr val="tx1"/>
+                </a:solidFill>
+                <a:effectLst/>
+                <a:latin typeface="+mn-lt"/>
+                <a:ea typeface="+mn-ea"/>
+                <a:cs typeface="+mn-cs"/>
+              </a:rPr>
+              <a:t> (1978) by Richard Serra is an early piece that offers the idea that consumers are products delivered to television advertisers. He used the easily-recognizable style of the now outdated television style, which is an idea particularly applicable in the iconic interface of the tablet and web. His idea on the materialistic nature of the corporation translates to the current relationship between people and modern technological enterprises.</a:t>
+            </a:r>
+          </a:p>
+          <a:p>
+            <a:endParaRPr lang="en-US" dirty="0"/>
+          </a:p>
+        </p:txBody>
+      </p:sp>
+      <p:sp>
+        <p:nvSpPr>
+          <p:cNvPr id="4" name="Slide Number Placeholder 3"/>
+          <p:cNvSpPr>
+            <a:spLocks noGrp="1"/>
+          </p:cNvSpPr>
+          <p:nvPr>
+            <p:ph type="sldNum" sz="quarter" idx="10"/>
+          </p:nvPr>
+        </p:nvSpPr>
+        <p:spPr/>
+        <p:txBody>
+          <a:bodyPr/>
+          <a:lstStyle/>
+          <a:p>
+            <a:fld id="{7A3C2EBE-BC6A-413F-9FF7-13C6716593DB}" type="slidenum">
+              <a:rPr lang="en-US" smtClean="0"/>
+              <a:t>10</a:t>
+            </a:fld>
+            <a:endParaRPr lang="en-US"/>
+          </a:p>
+        </p:txBody>
+      </p:sp>
+    </p:spTree>
+    <p:extLst>
+      <p:ext uri="{BB962C8B-B14F-4D97-AF65-F5344CB8AC3E}">
+        <p14:creationId xmlns:p14="http://schemas.microsoft.com/office/powerpoint/2010/main" val="1079266274"/>
+      </p:ext>
+    </p:extLst>
+  </p:cSld>
+  <p:clrMapOvr>
+    <a:masterClrMapping/>
+  </p:clrMapOvr>
+</p:notes>
+</file>
+
 <file path=ppt/slideLayouts/slideLayout1.xml><?xml version="1.0" encoding="utf-8"?>
 <p:sldLayout xmlns:a="http://schemas.openxmlformats.org/drawingml/2006/main" xmlns:r="http://schemas.openxmlformats.org/officeDocument/2006/relationships" xmlns:p="http://schemas.openxmlformats.org/presentationml/2006/main" type="title" preserve="1">
   <p:cSld name="Title Slide">
@@ -260,7 +872,7 @@
           <a:p>
             <a:fld id="{48A87A34-81AB-432B-8DAE-1953F412C126}" type="datetimeFigureOut">
               <a:rPr lang="en-US" dirty="0"/>
-              <a:t>2/13/17</a:t>
+              <a:t>2/13/2017</a:t>
             </a:fld>
             <a:endParaRPr lang="en-US" dirty="0"/>
           </a:p>
@@ -466,7 +1078,7 @@
           <a:p>
             <a:fld id="{48A87A34-81AB-432B-8DAE-1953F412C126}" type="datetimeFigureOut">
               <a:rPr lang="en-US" dirty="0"/>
-              <a:t>2/13/17</a:t>
+              <a:t>2/13/2017</a:t>
             </a:fld>
             <a:endParaRPr lang="en-US" dirty="0"/>
           </a:p>
@@ -676,7 +1288,7 @@
           <a:p>
             <a:fld id="{48A87A34-81AB-432B-8DAE-1953F412C126}" type="datetimeFigureOut">
               <a:rPr lang="en-US" dirty="0"/>
-              <a:t>2/13/17</a:t>
+              <a:t>2/13/2017</a:t>
             </a:fld>
             <a:endParaRPr lang="en-US" dirty="0"/>
           </a:p>
@@ -872,7 +1484,7 @@
           <a:p>
             <a:fld id="{48A87A34-81AB-432B-8DAE-1953F412C126}" type="datetimeFigureOut">
               <a:rPr lang="en-US" dirty="0"/>
-              <a:t>2/13/17</a:t>
+              <a:t>2/13/2017</a:t>
             </a:fld>
             <a:endParaRPr lang="en-US" dirty="0"/>
           </a:p>
@@ -1146,7 +1758,7 @@
           <a:p>
             <a:fld id="{48A87A34-81AB-432B-8DAE-1953F412C126}" type="datetimeFigureOut">
               <a:rPr lang="en-US" dirty="0"/>
-              <a:t>2/13/17</a:t>
+              <a:t>2/13/2017</a:t>
             </a:fld>
             <a:endParaRPr lang="en-US" dirty="0"/>
           </a:p>
@@ -1409,7 +2021,7 @@
           <a:p>
             <a:fld id="{48A87A34-81AB-432B-8DAE-1953F412C126}" type="datetimeFigureOut">
               <a:rPr lang="en-US" dirty="0"/>
-              <a:t>2/13/17</a:t>
+              <a:t>2/13/2017</a:t>
             </a:fld>
             <a:endParaRPr lang="en-US" dirty="0"/>
           </a:p>
@@ -1820,7 +2432,7 @@
           <a:p>
             <a:fld id="{48A87A34-81AB-432B-8DAE-1953F412C126}" type="datetimeFigureOut">
               <a:rPr lang="en-US" dirty="0"/>
-              <a:t>2/13/17</a:t>
+              <a:t>2/13/2017</a:t>
             </a:fld>
             <a:endParaRPr lang="en-US" dirty="0"/>
           </a:p>
@@ -1964,7 +2576,7 @@
           <a:p>
             <a:fld id="{48A87A34-81AB-432B-8DAE-1953F412C126}" type="datetimeFigureOut">
               <a:rPr lang="en-US" dirty="0"/>
-              <a:t>2/13/17</a:t>
+              <a:t>2/13/2017</a:t>
             </a:fld>
             <a:endParaRPr lang="en-US" dirty="0"/>
           </a:p>
@@ -2085,7 +2697,7 @@
           <a:p>
             <a:fld id="{48A87A34-81AB-432B-8DAE-1953F412C126}" type="datetimeFigureOut">
               <a:rPr lang="en-US" dirty="0"/>
-              <a:t>2/13/17</a:t>
+              <a:t>2/13/2017</a:t>
             </a:fld>
             <a:endParaRPr lang="en-US" dirty="0"/>
           </a:p>
@@ -2331,7 +2943,7 @@
           <a:p>
             <a:fld id="{48A87A34-81AB-432B-8DAE-1953F412C126}" type="datetimeFigureOut">
               <a:rPr lang="en-US" dirty="0"/>
-              <a:t>2/13/17</a:t>
+              <a:t>2/13/2017</a:t>
             </a:fld>
             <a:endParaRPr lang="en-US" dirty="0"/>
           </a:p>
@@ -2772,7 +3384,7 @@
             <a:fld id="{48A87A34-81AB-432B-8DAE-1953F412C126}" type="datetimeFigureOut">
               <a:rPr lang="en-US" dirty="0"/>
               <a:pPr/>
-              <a:t>2/13/17</a:t>
+              <a:t>2/13/2017</a:t>
             </a:fld>
             <a:endParaRPr lang="en-US" dirty="0"/>
           </a:p>
@@ -3094,7 +3706,7 @@
             <a:fld id="{48A87A34-81AB-432B-8DAE-1953F412C126}" type="datetimeFigureOut">
               <a:rPr lang="en-US" dirty="0"/>
               <a:pPr/>
-              <a:t>2/13/17</a:t>
+              <a:t>2/13/2017</a:t>
             </a:fld>
             <a:endParaRPr lang="en-US" dirty="0"/>
           </a:p>
@@ -3712,7 +4324,34 @@
           <a:bodyPr/>
           <a:lstStyle/>
           <a:p>
-            <a:endParaRPr lang="en-US"/>
+            <a:r>
+              <a:rPr lang="en-US" dirty="0" smtClean="0"/>
+              <a:t>The consumer and the corporation have diverging interests</a:t>
+            </a:r>
+          </a:p>
+          <a:p>
+            <a:r>
+              <a:rPr lang="en-US" i="1" dirty="0" smtClean="0"/>
+              <a:t>Television Delivers People </a:t>
+            </a:r>
+            <a:r>
+              <a:rPr lang="en-US" dirty="0" smtClean="0"/>
+              <a:t>(1978) by Richard Serra</a:t>
+            </a:r>
+          </a:p>
+          <a:p>
+            <a:pPr lvl="1"/>
+            <a:r>
+              <a:rPr lang="en-US" dirty="0" smtClean="0"/>
+              <a:t>Consumers are products delivered to corporations</a:t>
+            </a:r>
+          </a:p>
+          <a:p>
+            <a:r>
+              <a:rPr lang="en-US" dirty="0" smtClean="0"/>
+              <a:t>The actions of the corporation can benefit or harm the consumer experience</a:t>
+            </a:r>
+            <a:endParaRPr lang="en-US" dirty="0"/>
           </a:p>
         </p:txBody>
       </p:sp>
@@ -3784,7 +4423,9 @@
         </p:nvSpPr>
         <p:spPr/>
         <p:txBody>
-          <a:bodyPr/>
+          <a:bodyPr>
+            <a:normAutofit/>
+          </a:bodyPr>
           <a:lstStyle/>
           <a:p>
             <a:pPr marL="0" marR="0" lvl="0" indent="0" defTabSz="914400" eaLnBrk="1" fontAlgn="auto" latinLnBrk="0" hangingPunct="1">
@@ -3804,7 +4445,11 @@
               <a:tabLst/>
               <a:defRPr/>
             </a:pPr>
-            <a:endParaRPr lang="en-US" dirty="0"/>
+            <a:r>
+              <a:rPr lang="en-US" sz="2600" dirty="0" smtClean="0"/>
+              <a:t>A game that abstractly simulates the relationship between the consumer and corporation illuminates the extent to which the corporation controls the consumer’s experience with the Internet. </a:t>
+            </a:r>
+            <a:endParaRPr lang="en-US" sz="2600" dirty="0"/>
           </a:p>
         </p:txBody>
       </p:sp>
@@ -3864,33 +4509,36 @@
           </a:p>
         </p:txBody>
       </p:sp>
-      <p:sp>
-        <p:nvSpPr>
-          <p:cNvPr id="3" name="Content Placeholder 2"/>
-          <p:cNvSpPr>
-            <a:spLocks noGrp="1"/>
-          </p:cNvSpPr>
-          <p:nvPr>
-            <p:ph idx="1"/>
-          </p:nvPr>
-        </p:nvSpPr>
-        <p:spPr/>
-        <p:txBody>
-          <a:bodyPr/>
-          <a:lstStyle/>
-          <a:p>
-            <a:r>
-              <a:rPr lang="en-US" dirty="0" smtClean="0"/>
-              <a:t>Sketch of the tables, chairs</a:t>
-            </a:r>
-            <a:r>
-              <a:rPr lang="en-US" smtClean="0"/>
-              <a:t>, iPads</a:t>
-            </a:r>
-            <a:endParaRPr lang="en-US" dirty="0"/>
-          </a:p>
-        </p:txBody>
-      </p:sp>
+      <p:pic>
+        <p:nvPicPr>
+          <p:cNvPr id="4" name="Picture 3"/>
+          <p:cNvPicPr>
+            <a:picLocks noChangeAspect="1"/>
+          </p:cNvPicPr>
+          <p:nvPr/>
+        </p:nvPicPr>
+        <p:blipFill>
+          <a:blip r:embed="rId2">
+            <a:extLst>
+              <a:ext uri="{28A0092B-C50C-407E-A947-70E740481C1C}">
+                <a14:useLocalDpi xmlns:a14="http://schemas.microsoft.com/office/drawing/2010/main" val="0"/>
+              </a:ext>
+            </a:extLst>
+          </a:blip>
+          <a:stretch>
+            <a:fillRect/>
+          </a:stretch>
+        </p:blipFill>
+        <p:spPr>
+          <a:xfrm>
+            <a:off x="3255263" y="2225552"/>
+            <a:ext cx="5388483" cy="3189982"/>
+          </a:xfrm>
+          <a:prstGeom prst="rect">
+            <a:avLst/>
+          </a:prstGeom>
+        </p:spPr>
+      </p:pic>
     </p:spTree>
     <p:extLst>
       <p:ext uri="{BB962C8B-B14F-4D97-AF65-F5344CB8AC3E}">
@@ -4745,4 +5393,265 @@
     </a:ext>
   </a:extLst>
 </a:theme>
+</file>
+
+<file path=ppt/theme/theme2.xml><?xml version="1.0" encoding="utf-8"?>
+<a:theme xmlns:a="http://schemas.openxmlformats.org/drawingml/2006/main" name="Office Theme">
+  <a:themeElements>
+    <a:clrScheme name="Office">
+      <a:dk1>
+        <a:sysClr val="windowText" lastClr="000000"/>
+      </a:dk1>
+      <a:lt1>
+        <a:sysClr val="window" lastClr="FFFFFF"/>
+      </a:lt1>
+      <a:dk2>
+        <a:srgbClr val="44546A"/>
+      </a:dk2>
+      <a:lt2>
+        <a:srgbClr val="E7E6E6"/>
+      </a:lt2>
+      <a:accent1>
+        <a:srgbClr val="5B9BD5"/>
+      </a:accent1>
+      <a:accent2>
+        <a:srgbClr val="ED7D31"/>
+      </a:accent2>
+      <a:accent3>
+        <a:srgbClr val="A5A5A5"/>
+      </a:accent3>
+      <a:accent4>
+        <a:srgbClr val="FFC000"/>
+      </a:accent4>
+      <a:accent5>
+        <a:srgbClr val="4472C4"/>
+      </a:accent5>
+      <a:accent6>
+        <a:srgbClr val="70AD47"/>
+      </a:accent6>
+      <a:hlink>
+        <a:srgbClr val="0563C1"/>
+      </a:hlink>
+      <a:folHlink>
+        <a:srgbClr val="954F72"/>
+      </a:folHlink>
+    </a:clrScheme>
+    <a:fontScheme name="Office">
+      <a:majorFont>
+        <a:latin typeface="Calibri Light" panose="020F0302020204030204"/>
+        <a:ea typeface=""/>
+        <a:cs typeface=""/>
+        <a:font script="Jpan" typeface="游ゴシック Light"/>
+        <a:font script="Hang" typeface="맑은 고딕"/>
+        <a:font script="Hans" typeface="等线 Light"/>
+        <a:font script="Hant" typeface="新細明體"/>
+        <a:font script="Arab" typeface="Times New Roman"/>
+        <a:font script="Hebr" typeface="Times New Roman"/>
+        <a:font script="Thai" typeface="Angsana New"/>
+        <a:font script="Ethi" typeface="Nyala"/>
+        <a:font script="Beng" typeface="Vrinda"/>
+        <a:font script="Gujr" typeface="Shruti"/>
+        <a:font script="Khmr" typeface="MoolBoran"/>
+        <a:font script="Knda" typeface="Tunga"/>
+        <a:font script="Guru" typeface="Raavi"/>
+        <a:font script="Cans" typeface="Euphemia"/>
+        <a:font script="Cher" typeface="Plantagenet Cherokee"/>
+        <a:font script="Yiii" typeface="Microsoft Yi Baiti"/>
+        <a:font script="Tibt" typeface="Microsoft Himalaya"/>
+        <a:font script="Thaa" typeface="MV Boli"/>
+        <a:font script="Deva" typeface="Mangal"/>
+        <a:font script="Telu" typeface="Gautami"/>
+        <a:font script="Taml" typeface="Latha"/>
+        <a:font script="Syrc" typeface="Estrangelo Edessa"/>
+        <a:font script="Orya" typeface="Kalinga"/>
+        <a:font script="Mlym" typeface="Kartika"/>
+        <a:font script="Laoo" typeface="DokChampa"/>
+        <a:font script="Sinh" typeface="Iskoola Pota"/>
+        <a:font script="Mong" typeface="Mongolian Baiti"/>
+        <a:font script="Viet" typeface="Times New Roman"/>
+        <a:font script="Uigh" typeface="Microsoft Uighur"/>
+        <a:font script="Geor" typeface="Sylfaen"/>
+      </a:majorFont>
+      <a:minorFont>
+        <a:latin typeface="Calibri" panose="020F0502020204030204"/>
+        <a:ea typeface=""/>
+        <a:cs typeface=""/>
+        <a:font script="Jpan" typeface="游ゴシック"/>
+        <a:font script="Hang" typeface="맑은 고딕"/>
+        <a:font script="Hans" typeface="等线"/>
+        <a:font script="Hant" typeface="新細明體"/>
+        <a:font script="Arab" typeface="Arial"/>
+        <a:font script="Hebr" typeface="Arial"/>
+        <a:font script="Thai" typeface="Cordia New"/>
+        <a:font script="Ethi" typeface="Nyala"/>
+        <a:font script="Beng" typeface="Vrinda"/>
+        <a:font script="Gujr" typeface="Shruti"/>
+        <a:font script="Khmr" typeface="DaunPenh"/>
+        <a:font script="Knda" typeface="Tunga"/>
+        <a:font script="Guru" typeface="Raavi"/>
+        <a:font script="Cans" typeface="Euphemia"/>
+        <a:font script="Cher" typeface="Plantagenet Cherokee"/>
+        <a:font script="Yiii" typeface="Microsoft Yi Baiti"/>
+        <a:font script="Tibt" typeface="Microsoft Himalaya"/>
+        <a:font script="Thaa" typeface="MV Boli"/>
+        <a:font script="Deva" typeface="Mangal"/>
+        <a:font script="Telu" typeface="Gautami"/>
+        <a:font script="Taml" typeface="Latha"/>
+        <a:font script="Syrc" typeface="Estrangelo Edessa"/>
+        <a:font script="Orya" typeface="Kalinga"/>
+        <a:font script="Mlym" typeface="Kartika"/>
+        <a:font script="Laoo" typeface="DokChampa"/>
+        <a:font script="Sinh" typeface="Iskoola Pota"/>
+        <a:font script="Mong" typeface="Mongolian Baiti"/>
+        <a:font script="Viet" typeface="Arial"/>
+        <a:font script="Uigh" typeface="Microsoft Uighur"/>
+        <a:font script="Geor" typeface="Sylfaen"/>
+      </a:minorFont>
+    </a:fontScheme>
+    <a:fmtScheme name="Office">
+      <a:fillStyleLst>
+        <a:solidFill>
+          <a:schemeClr val="phClr"/>
+        </a:solidFill>
+        <a:gradFill rotWithShape="1">
+          <a:gsLst>
+            <a:gs pos="0">
+              <a:schemeClr val="phClr">
+                <a:lumMod val="110000"/>
+                <a:satMod val="105000"/>
+                <a:tint val="67000"/>
+              </a:schemeClr>
+            </a:gs>
+            <a:gs pos="50000">
+              <a:schemeClr val="phClr">
+                <a:lumMod val="105000"/>
+                <a:satMod val="103000"/>
+                <a:tint val="73000"/>
+              </a:schemeClr>
+            </a:gs>
+            <a:gs pos="100000">
+              <a:schemeClr val="phClr">
+                <a:lumMod val="105000"/>
+                <a:satMod val="109000"/>
+                <a:tint val="81000"/>
+              </a:schemeClr>
+            </a:gs>
+          </a:gsLst>
+          <a:lin ang="5400000" scaled="0"/>
+        </a:gradFill>
+        <a:gradFill rotWithShape="1">
+          <a:gsLst>
+            <a:gs pos="0">
+              <a:schemeClr val="phClr">
+                <a:satMod val="103000"/>
+                <a:lumMod val="102000"/>
+                <a:tint val="94000"/>
+              </a:schemeClr>
+            </a:gs>
+            <a:gs pos="50000">
+              <a:schemeClr val="phClr">
+                <a:satMod val="110000"/>
+                <a:lumMod val="100000"/>
+                <a:shade val="100000"/>
+              </a:schemeClr>
+            </a:gs>
+            <a:gs pos="100000">
+              <a:schemeClr val="phClr">
+                <a:lumMod val="99000"/>
+                <a:satMod val="120000"/>
+                <a:shade val="78000"/>
+              </a:schemeClr>
+            </a:gs>
+          </a:gsLst>
+          <a:lin ang="5400000" scaled="0"/>
+        </a:gradFill>
+      </a:fillStyleLst>
+      <a:lnStyleLst>
+        <a:ln w="6350" cap="flat" cmpd="sng" algn="ctr">
+          <a:solidFill>
+            <a:schemeClr val="phClr"/>
+          </a:solidFill>
+          <a:prstDash val="solid"/>
+          <a:miter lim="800000"/>
+        </a:ln>
+        <a:ln w="12700" cap="flat" cmpd="sng" algn="ctr">
+          <a:solidFill>
+            <a:schemeClr val="phClr"/>
+          </a:solidFill>
+          <a:prstDash val="solid"/>
+          <a:miter lim="800000"/>
+        </a:ln>
+        <a:ln w="19050" cap="flat" cmpd="sng" algn="ctr">
+          <a:solidFill>
+            <a:schemeClr val="phClr"/>
+          </a:solidFill>
+          <a:prstDash val="solid"/>
+          <a:miter lim="800000"/>
+        </a:ln>
+      </a:lnStyleLst>
+      <a:effectStyleLst>
+        <a:effectStyle>
+          <a:effectLst/>
+        </a:effectStyle>
+        <a:effectStyle>
+          <a:effectLst/>
+        </a:effectStyle>
+        <a:effectStyle>
+          <a:effectLst>
+            <a:outerShdw blurRad="57150" dist="19050" dir="5400000" algn="ctr" rotWithShape="0">
+              <a:srgbClr val="000000">
+                <a:alpha val="63000"/>
+              </a:srgbClr>
+            </a:outerShdw>
+          </a:effectLst>
+        </a:effectStyle>
+      </a:effectStyleLst>
+      <a:bgFillStyleLst>
+        <a:solidFill>
+          <a:schemeClr val="phClr"/>
+        </a:solidFill>
+        <a:solidFill>
+          <a:schemeClr val="phClr">
+            <a:tint val="95000"/>
+            <a:satMod val="170000"/>
+          </a:schemeClr>
+        </a:solidFill>
+        <a:gradFill rotWithShape="1">
+          <a:gsLst>
+            <a:gs pos="0">
+              <a:schemeClr val="phClr">
+                <a:tint val="93000"/>
+                <a:satMod val="150000"/>
+                <a:shade val="98000"/>
+                <a:lumMod val="102000"/>
+              </a:schemeClr>
+            </a:gs>
+            <a:gs pos="50000">
+              <a:schemeClr val="phClr">
+                <a:tint val="98000"/>
+                <a:satMod val="130000"/>
+                <a:shade val="90000"/>
+                <a:lumMod val="103000"/>
+              </a:schemeClr>
+            </a:gs>
+            <a:gs pos="100000">
+              <a:schemeClr val="phClr">
+                <a:shade val="63000"/>
+                <a:satMod val="120000"/>
+              </a:schemeClr>
+            </a:gs>
+          </a:gsLst>
+          <a:lin ang="5400000" scaled="0"/>
+        </a:gradFill>
+      </a:bgFillStyleLst>
+    </a:fmtScheme>
+  </a:themeElements>
+  <a:objectDefaults/>
+  <a:extraClrSchemeLst/>
+  <a:extLst>
+    <a:ext uri="{05A4C25C-085E-4340-85A3-A5531E510DB2}">
+      <thm15:themeFamily xmlns:thm15="http://schemas.microsoft.com/office/thememl/2012/main" name="Office Theme" id="{62F939B6-93AF-4DB8-9C6B-D6C7DFDC589F}" vid="{4A3C46E8-61CC-4603-A589-7422A47A8E4A}"/>
+    </a:ext>
+  </a:extLst>
+</a:theme>
 </file>